--- a/Project1_MicrosoftMovieStudio.pptx
+++ b/Project1_MicrosoftMovieStudio.pptx
@@ -23583,6 +23583,48 @@
           </a:prstGeom>
         </p:spPr>
       </p:pic>
+      <p:cxnSp>
+        <p:nvCxnSpPr>
+          <p:cNvPr id="15" name="Straight Arrow Connector 14">
+            <a:extLst>
+              <a:ext uri="{FF2B5EF4-FFF2-40B4-BE49-F238E27FC236}">
+                <a16:creationId xmlns:a16="http://schemas.microsoft.com/office/drawing/2014/main" id="{619CFC2C-B64F-4CAD-9D04-5E5D7CC84D3D}"/>
+              </a:ext>
+            </a:extLst>
+          </p:cNvPr>
+          <p:cNvCxnSpPr/>
+          <p:nvPr/>
+        </p:nvCxnSpPr>
+        <p:spPr>
+          <a:xfrm flipV="1">
+            <a:off x="931178" y="1988191"/>
+            <a:ext cx="2676088" cy="1446125"/>
+          </a:xfrm>
+          <a:prstGeom prst="straightConnector1">
+            <a:avLst/>
+          </a:prstGeom>
+          <a:ln w="19050">
+            <a:solidFill>
+              <a:srgbClr val="FF0000"/>
+            </a:solidFill>
+            <a:tailEnd type="triangle"/>
+          </a:ln>
+        </p:spPr>
+        <p:style>
+          <a:lnRef idx="1">
+            <a:schemeClr val="accent1"/>
+          </a:lnRef>
+          <a:fillRef idx="0">
+            <a:schemeClr val="accent1"/>
+          </a:fillRef>
+          <a:effectRef idx="0">
+            <a:schemeClr val="accent1"/>
+          </a:effectRef>
+          <a:fontRef idx="minor">
+            <a:schemeClr val="tx1"/>
+          </a:fontRef>
+        </p:style>
+      </p:cxnSp>
     </p:spTree>
     <p:extLst>
       <p:ext uri="{BB962C8B-B14F-4D97-AF65-F5344CB8AC3E}">
